--- a/files/2.modèles/documentation/STORY CANVAS.pptx
+++ b/files/2.modèles/documentation/STORY CANVAS.pptx
@@ -3215,7 +3215,7 @@
                 <a:latin typeface="Open Sans SemiBold"/>
                 <a:cs typeface="Open Sans SemiBold"/>
               </a:rPr>
-              <a:t>PERSONNE</a:t>
+              <a:t>CC-BY NLAB</a:t>
             </a:r>
             <a:endParaRPr lang="fr-FR" dirty="0">
               <a:latin typeface="Open Sans SemiBold"/>
@@ -3256,7 +3256,9 @@
       </p:pic>
       <p:pic>
         <p:nvPicPr>
-          <p:cNvPr id="8" name="Image 7"/>
+          <p:cNvPr id="8" name="Image 7">
+            <a:hlinkClick r:id="rId4"/>
+          </p:cNvPr>
           <p:cNvPicPr>
             <a:picLocks noChangeAspect="1"/>
           </p:cNvPicPr>
